--- a/Seminar One/Seminar1_intro.pptx
+++ b/Seminar One/Seminar1_intro.pptx
@@ -5,10 +5,10 @@
     <p:sldMasterId id="2147483657" r:id="rId1"/>
   </p:sldMasterIdLst>
   <p:notesMasterIdLst>
-    <p:notesMasterId r:id="rId11"/>
+    <p:notesMasterId r:id="rId12"/>
   </p:notesMasterIdLst>
   <p:handoutMasterIdLst>
-    <p:handoutMasterId r:id="rId12"/>
+    <p:handoutMasterId r:id="rId13"/>
   </p:handoutMasterIdLst>
   <p:sldIdLst>
     <p:sldId id="302" r:id="rId2"/>
@@ -20,6 +20,7 @@
     <p:sldId id="419" r:id="rId8"/>
     <p:sldId id="406" r:id="rId9"/>
     <p:sldId id="407" r:id="rId10"/>
+    <p:sldId id="420" r:id="rId11"/>
   </p:sldIdLst>
   <p:sldSz cx="9144000" cy="6858000" type="screen4x3"/>
   <p:notesSz cx="7315200" cy="9601200"/>
@@ -6311,6 +6312,208 @@
       </p:par>
     </p:tnLst>
   </p:timing>
+</p:sld>
+</file>
+
+<file path=ppt/slides/slide10.xml><?xml version="1.0" encoding="utf-8"?>
+<p:sld xmlns:a="http://schemas.openxmlformats.org/drawingml/2006/main" xmlns:r="http://schemas.openxmlformats.org/officeDocument/2006/relationships" xmlns:p="http://schemas.openxmlformats.org/presentationml/2006/main">
+  <p:cSld>
+    <p:spTree>
+      <p:nvGrpSpPr>
+        <p:cNvPr id="1" name=""/>
+        <p:cNvGrpSpPr/>
+        <p:nvPr/>
+      </p:nvGrpSpPr>
+      <p:grpSpPr>
+        <a:xfrm>
+          <a:off x="0" y="0"/>
+          <a:ext cx="0" cy="0"/>
+          <a:chOff x="0" y="0"/>
+          <a:chExt cx="0" cy="0"/>
+        </a:xfrm>
+      </p:grpSpPr>
+      <p:sp>
+        <p:nvSpPr>
+          <p:cNvPr id="2" name="Title 1"/>
+          <p:cNvSpPr>
+            <a:spLocks noGrp="1"/>
+          </p:cNvSpPr>
+          <p:nvPr>
+            <p:ph type="title"/>
+          </p:nvPr>
+        </p:nvSpPr>
+        <p:spPr/>
+        <p:txBody>
+          <a:bodyPr/>
+          <a:lstStyle/>
+          <a:p>
+            <a:r>
+              <a:rPr lang="en-US" dirty="0" smtClean="0"/>
+              <a:t>Useful Resources</a:t>
+            </a:r>
+            <a:endParaRPr lang="en-SG" dirty="0"/>
+          </a:p>
+        </p:txBody>
+      </p:sp>
+      <p:sp>
+        <p:nvSpPr>
+          <p:cNvPr id="3" name="Content Placeholder 2"/>
+          <p:cNvSpPr>
+            <a:spLocks noGrp="1"/>
+          </p:cNvSpPr>
+          <p:nvPr>
+            <p:ph idx="1"/>
+          </p:nvPr>
+        </p:nvSpPr>
+        <p:spPr/>
+        <p:txBody>
+          <a:bodyPr/>
+          <a:lstStyle/>
+          <a:p>
+            <a:r>
+              <a:rPr lang="en-US" dirty="0" smtClean="0"/>
+              <a:t>W3Schools Section on Python</a:t>
+            </a:r>
+          </a:p>
+          <a:p>
+            <a:pPr lvl="1"/>
+            <a:r>
+              <a:rPr lang="en-US" dirty="0">
+                <a:hlinkClick r:id="rId2"/>
+              </a:rPr>
+              <a:t>https://</a:t>
+            </a:r>
+            <a:r>
+              <a:rPr lang="en-US" dirty="0" smtClean="0">
+                <a:hlinkClick r:id="rId2"/>
+              </a:rPr>
+              <a:t>www.w3schools.com/python/default.asp</a:t>
+            </a:r>
+            <a:r>
+              <a:rPr lang="en-US" dirty="0" smtClean="0"/>
+              <a:t> </a:t>
+            </a:r>
+          </a:p>
+          <a:p>
+            <a:r>
+              <a:rPr lang="en-US" dirty="0" err="1" smtClean="0"/>
+              <a:t>ZetCode</a:t>
+            </a:r>
+            <a:r>
+              <a:rPr lang="en-US" dirty="0" smtClean="0"/>
+              <a:t> on Python:</a:t>
+            </a:r>
+          </a:p>
+          <a:p>
+            <a:pPr lvl="1"/>
+            <a:r>
+              <a:rPr lang="en-SG" dirty="0">
+                <a:hlinkClick r:id="rId3"/>
+              </a:rPr>
+              <a:t>https://zetcode.com/all/#</a:t>
+            </a:r>
+            <a:r>
+              <a:rPr lang="en-SG" dirty="0" smtClean="0">
+                <a:hlinkClick r:id="rId3"/>
+              </a:rPr>
+              <a:t>python</a:t>
+            </a:r>
+            <a:endParaRPr lang="en-SG" dirty="0" smtClean="0"/>
+          </a:p>
+          <a:p>
+            <a:r>
+              <a:rPr lang="en-SG" dirty="0" smtClean="0"/>
+              <a:t>Python Tutor:</a:t>
+            </a:r>
+          </a:p>
+          <a:p>
+            <a:pPr lvl="1"/>
+            <a:r>
+              <a:rPr lang="en-SG">
+                <a:hlinkClick r:id="rId4"/>
+              </a:rPr>
+              <a:t>http://</a:t>
+            </a:r>
+            <a:r>
+              <a:rPr lang="en-SG">
+                <a:hlinkClick r:id="rId4"/>
+              </a:rPr>
+              <a:t>www.pythontutor.com</a:t>
+            </a:r>
+            <a:r>
+              <a:rPr lang="en-SG" smtClean="0">
+                <a:hlinkClick r:id="rId4"/>
+              </a:rPr>
+              <a:t>/</a:t>
+            </a:r>
+            <a:r>
+              <a:rPr lang="en-SG" smtClean="0"/>
+              <a:t> </a:t>
+            </a:r>
+            <a:endParaRPr lang="en-SG" dirty="0"/>
+          </a:p>
+        </p:txBody>
+      </p:sp>
+      <p:sp>
+        <p:nvSpPr>
+          <p:cNvPr id="4" name="Footer Placeholder 3"/>
+          <p:cNvSpPr>
+            <a:spLocks noGrp="1"/>
+          </p:cNvSpPr>
+          <p:nvPr>
+            <p:ph type="ftr" sz="quarter" idx="11"/>
+          </p:nvPr>
+        </p:nvSpPr>
+        <p:spPr/>
+        <p:txBody>
+          <a:bodyPr/>
+          <a:lstStyle/>
+          <a:p>
+            <a:pPr>
+              <a:defRPr/>
+            </a:pPr>
+            <a:r>
+              <a:rPr lang="en-US" smtClean="0"/>
+              <a:t>ICT133 - Structured Programming</a:t>
+            </a:r>
+            <a:endParaRPr lang="en-US" dirty="0"/>
+          </a:p>
+        </p:txBody>
+      </p:sp>
+      <p:sp>
+        <p:nvSpPr>
+          <p:cNvPr id="5" name="Slide Number Placeholder 4"/>
+          <p:cNvSpPr>
+            <a:spLocks noGrp="1"/>
+          </p:cNvSpPr>
+          <p:nvPr>
+            <p:ph type="sldNum" sz="quarter" idx="12"/>
+          </p:nvPr>
+        </p:nvSpPr>
+        <p:spPr/>
+        <p:txBody>
+          <a:bodyPr/>
+          <a:lstStyle/>
+          <a:p>
+            <a:fld id="{D897C918-8C39-4162-8EF5-AE613ED5F307}" type="slidenum">
+              <a:rPr lang="en-US" altLang="en-US" smtClean="0"/>
+              <a:pPr/>
+              <a:t>10</a:t>
+            </a:fld>
+            <a:endParaRPr lang="en-US" altLang="en-US"/>
+          </a:p>
+        </p:txBody>
+      </p:sp>
+    </p:spTree>
+    <p:extLst>
+      <p:ext uri="{BB962C8B-B14F-4D97-AF65-F5344CB8AC3E}">
+        <p14:creationId xmlns:p14="http://schemas.microsoft.com/office/powerpoint/2010/main" val="898703890"/>
+      </p:ext>
+    </p:extLst>
+  </p:cSld>
+  <p:clrMapOvr>
+    <a:masterClrMapping/>
+  </p:clrMapOvr>
 </p:sld>
 </file>
 
